--- a/docs/Lectures/Week04/Week04_BivariateRegression_Part02.pptx
+++ b/docs/Lectures/Week04/Week04_BivariateRegression_Part02.pptx
@@ -11,8 +11,7 @@
     <p:sldId id="258" r:id="rId5"/>
     <p:sldId id="259" r:id="rId6"/>
     <p:sldId id="260" r:id="rId7"/>
-    <p:sldId id="261" r:id="rId8"/>
-    <p:sldId id="262" r:id="rId9"/>
+    <p:sldId id="264" r:id="rId8"/>
   </p:sldIdLst>
   <p:sldSz cx="12192000" cy="6858000"/>
   <p:notesSz cx="6858000" cy="9144000"/>
@@ -111,6 +110,11 @@
       </a:defRPr>
     </a:lvl9pPr>
   </p:defaultTextStyle>
+  <p:extLst>
+    <p:ext uri="{EFAFB233-063F-42B5-8137-9DF3F51BA10A}">
+      <p15:sldGuideLst xmlns:p15="http://schemas.microsoft.com/office/powerpoint/2012/main"/>
+    </p:ext>
+  </p:extLst>
 </p:presentation>
 </file>
 
@@ -156,10 +160,9 @@
           </a:lstStyle>
           <a:p>
             <a:r>
-              <a:rPr lang="en-US" smtClean="0"/>
+              <a:rPr lang="en-US"/>
               <a:t>Click to edit Master title style</a:t>
             </a:r>
-            <a:endParaRPr lang="en-US"/>
           </a:p>
         </p:txBody>
       </p:sp>
@@ -221,10 +224,9 @@
           </a:lstStyle>
           <a:p>
             <a:r>
-              <a:rPr lang="en-US" smtClean="0"/>
+              <a:rPr lang="en-US"/>
               <a:t>Click to edit Master subtitle style</a:t>
             </a:r>
-            <a:endParaRPr lang="en-US"/>
           </a:p>
         </p:txBody>
       </p:sp>
@@ -245,7 +247,7 @@
           <a:p>
             <a:fld id="{9FE6EF28-1B65-43EB-BD1C-72911E88FB32}" type="datetimeFigureOut">
               <a:rPr lang="en-US" smtClean="0"/>
-              <a:t>2/3/2025</a:t>
+              <a:t>2/4/2025</a:t>
             </a:fld>
             <a:endParaRPr lang="en-US"/>
           </a:p>
@@ -339,10 +341,9 @@
           <a:lstStyle/>
           <a:p>
             <a:r>
-              <a:rPr lang="en-US" smtClean="0"/>
+              <a:rPr lang="en-US"/>
               <a:t>Click to edit Master title style</a:t>
             </a:r>
-            <a:endParaRPr lang="en-US"/>
           </a:p>
         </p:txBody>
       </p:sp>
@@ -363,38 +364,37 @@
           <a:p>
             <a:pPr lvl="0"/>
             <a:r>
-              <a:rPr lang="en-US" smtClean="0"/>
+              <a:rPr lang="en-US"/>
               <a:t>Edit Master text styles</a:t>
             </a:r>
           </a:p>
           <a:p>
             <a:pPr lvl="1"/>
             <a:r>
-              <a:rPr lang="en-US" smtClean="0"/>
+              <a:rPr lang="en-US"/>
               <a:t>Second level</a:t>
             </a:r>
           </a:p>
           <a:p>
             <a:pPr lvl="2"/>
             <a:r>
-              <a:rPr lang="en-US" smtClean="0"/>
+              <a:rPr lang="en-US"/>
               <a:t>Third level</a:t>
             </a:r>
           </a:p>
           <a:p>
             <a:pPr lvl="3"/>
             <a:r>
-              <a:rPr lang="en-US" smtClean="0"/>
+              <a:rPr lang="en-US"/>
               <a:t>Fourth level</a:t>
             </a:r>
           </a:p>
           <a:p>
             <a:pPr lvl="4"/>
             <a:r>
-              <a:rPr lang="en-US" smtClean="0"/>
+              <a:rPr lang="en-US"/>
               <a:t>Fifth level</a:t>
             </a:r>
-            <a:endParaRPr lang="en-US"/>
           </a:p>
         </p:txBody>
       </p:sp>
@@ -415,7 +415,7 @@
           <a:p>
             <a:fld id="{9FE6EF28-1B65-43EB-BD1C-72911E88FB32}" type="datetimeFigureOut">
               <a:rPr lang="en-US" smtClean="0"/>
-              <a:t>2/3/2025</a:t>
+              <a:t>2/4/2025</a:t>
             </a:fld>
             <a:endParaRPr lang="en-US"/>
           </a:p>
@@ -514,10 +514,9 @@
           <a:lstStyle/>
           <a:p>
             <a:r>
-              <a:rPr lang="en-US" smtClean="0"/>
+              <a:rPr lang="en-US"/>
               <a:t>Click to edit Master title style</a:t>
             </a:r>
-            <a:endParaRPr lang="en-US"/>
           </a:p>
         </p:txBody>
       </p:sp>
@@ -543,38 +542,37 @@
           <a:p>
             <a:pPr lvl="0"/>
             <a:r>
-              <a:rPr lang="en-US" smtClean="0"/>
+              <a:rPr lang="en-US"/>
               <a:t>Edit Master text styles</a:t>
             </a:r>
           </a:p>
           <a:p>
             <a:pPr lvl="1"/>
             <a:r>
-              <a:rPr lang="en-US" smtClean="0"/>
+              <a:rPr lang="en-US"/>
               <a:t>Second level</a:t>
             </a:r>
           </a:p>
           <a:p>
             <a:pPr lvl="2"/>
             <a:r>
-              <a:rPr lang="en-US" smtClean="0"/>
+              <a:rPr lang="en-US"/>
               <a:t>Third level</a:t>
             </a:r>
           </a:p>
           <a:p>
             <a:pPr lvl="3"/>
             <a:r>
-              <a:rPr lang="en-US" smtClean="0"/>
+              <a:rPr lang="en-US"/>
               <a:t>Fourth level</a:t>
             </a:r>
           </a:p>
           <a:p>
             <a:pPr lvl="4"/>
             <a:r>
-              <a:rPr lang="en-US" smtClean="0"/>
+              <a:rPr lang="en-US"/>
               <a:t>Fifth level</a:t>
             </a:r>
-            <a:endParaRPr lang="en-US"/>
           </a:p>
         </p:txBody>
       </p:sp>
@@ -595,7 +593,7 @@
           <a:p>
             <a:fld id="{9FE6EF28-1B65-43EB-BD1C-72911E88FB32}" type="datetimeFigureOut">
               <a:rPr lang="en-US" smtClean="0"/>
-              <a:t>2/3/2025</a:t>
+              <a:t>2/4/2025</a:t>
             </a:fld>
             <a:endParaRPr lang="en-US"/>
           </a:p>
@@ -689,10 +687,9 @@
           <a:lstStyle/>
           <a:p>
             <a:r>
-              <a:rPr lang="en-US" smtClean="0"/>
+              <a:rPr lang="en-US"/>
               <a:t>Click to edit Master title style</a:t>
             </a:r>
-            <a:endParaRPr lang="en-US"/>
           </a:p>
         </p:txBody>
       </p:sp>
@@ -713,38 +710,37 @@
           <a:p>
             <a:pPr lvl="0"/>
             <a:r>
-              <a:rPr lang="en-US" smtClean="0"/>
+              <a:rPr lang="en-US"/>
               <a:t>Edit Master text styles</a:t>
             </a:r>
           </a:p>
           <a:p>
             <a:pPr lvl="1"/>
             <a:r>
-              <a:rPr lang="en-US" smtClean="0"/>
+              <a:rPr lang="en-US"/>
               <a:t>Second level</a:t>
             </a:r>
           </a:p>
           <a:p>
             <a:pPr lvl="2"/>
             <a:r>
-              <a:rPr lang="en-US" smtClean="0"/>
+              <a:rPr lang="en-US"/>
               <a:t>Third level</a:t>
             </a:r>
           </a:p>
           <a:p>
             <a:pPr lvl="3"/>
             <a:r>
-              <a:rPr lang="en-US" smtClean="0"/>
+              <a:rPr lang="en-US"/>
               <a:t>Fourth level</a:t>
             </a:r>
           </a:p>
           <a:p>
             <a:pPr lvl="4"/>
             <a:r>
-              <a:rPr lang="en-US" smtClean="0"/>
+              <a:rPr lang="en-US"/>
               <a:t>Fifth level</a:t>
             </a:r>
-            <a:endParaRPr lang="en-US"/>
           </a:p>
         </p:txBody>
       </p:sp>
@@ -765,7 +761,7 @@
           <a:p>
             <a:fld id="{9FE6EF28-1B65-43EB-BD1C-72911E88FB32}" type="datetimeFigureOut">
               <a:rPr lang="en-US" smtClean="0"/>
-              <a:t>2/3/2025</a:t>
+              <a:t>2/4/2025</a:t>
             </a:fld>
             <a:endParaRPr lang="en-US"/>
           </a:p>
@@ -868,10 +864,9 @@
           </a:lstStyle>
           <a:p>
             <a:r>
-              <a:rPr lang="en-US" smtClean="0"/>
+              <a:rPr lang="en-US"/>
               <a:t>Click to edit Master title style</a:t>
             </a:r>
-            <a:endParaRPr lang="en-US"/>
           </a:p>
         </p:txBody>
       </p:sp>
@@ -988,7 +983,7 @@
           <a:p>
             <a:pPr lvl="0"/>
             <a:r>
-              <a:rPr lang="en-US" smtClean="0"/>
+              <a:rPr lang="en-US"/>
               <a:t>Edit Master text styles</a:t>
             </a:r>
           </a:p>
@@ -1011,7 +1006,7 @@
           <a:p>
             <a:fld id="{9FE6EF28-1B65-43EB-BD1C-72911E88FB32}" type="datetimeFigureOut">
               <a:rPr lang="en-US" smtClean="0"/>
-              <a:t>2/3/2025</a:t>
+              <a:t>2/4/2025</a:t>
             </a:fld>
             <a:endParaRPr lang="en-US"/>
           </a:p>
@@ -1105,10 +1100,9 @@
           <a:lstStyle/>
           <a:p>
             <a:r>
-              <a:rPr lang="en-US" smtClean="0"/>
+              <a:rPr lang="en-US"/>
               <a:t>Click to edit Master title style</a:t>
             </a:r>
-            <a:endParaRPr lang="en-US"/>
           </a:p>
         </p:txBody>
       </p:sp>
@@ -1134,38 +1128,37 @@
           <a:p>
             <a:pPr lvl="0"/>
             <a:r>
-              <a:rPr lang="en-US" smtClean="0"/>
+              <a:rPr lang="en-US"/>
               <a:t>Edit Master text styles</a:t>
             </a:r>
           </a:p>
           <a:p>
             <a:pPr lvl="1"/>
             <a:r>
-              <a:rPr lang="en-US" smtClean="0"/>
+              <a:rPr lang="en-US"/>
               <a:t>Second level</a:t>
             </a:r>
           </a:p>
           <a:p>
             <a:pPr lvl="2"/>
             <a:r>
-              <a:rPr lang="en-US" smtClean="0"/>
+              <a:rPr lang="en-US"/>
               <a:t>Third level</a:t>
             </a:r>
           </a:p>
           <a:p>
             <a:pPr lvl="3"/>
             <a:r>
-              <a:rPr lang="en-US" smtClean="0"/>
+              <a:rPr lang="en-US"/>
               <a:t>Fourth level</a:t>
             </a:r>
           </a:p>
           <a:p>
             <a:pPr lvl="4"/>
             <a:r>
-              <a:rPr lang="en-US" smtClean="0"/>
+              <a:rPr lang="en-US"/>
               <a:t>Fifth level</a:t>
             </a:r>
-            <a:endParaRPr lang="en-US"/>
           </a:p>
         </p:txBody>
       </p:sp>
@@ -1191,38 +1184,37 @@
           <a:p>
             <a:pPr lvl="0"/>
             <a:r>
-              <a:rPr lang="en-US" smtClean="0"/>
+              <a:rPr lang="en-US"/>
               <a:t>Edit Master text styles</a:t>
             </a:r>
           </a:p>
           <a:p>
             <a:pPr lvl="1"/>
             <a:r>
-              <a:rPr lang="en-US" smtClean="0"/>
+              <a:rPr lang="en-US"/>
               <a:t>Second level</a:t>
             </a:r>
           </a:p>
           <a:p>
             <a:pPr lvl="2"/>
             <a:r>
-              <a:rPr lang="en-US" smtClean="0"/>
+              <a:rPr lang="en-US"/>
               <a:t>Third level</a:t>
             </a:r>
           </a:p>
           <a:p>
             <a:pPr lvl="3"/>
             <a:r>
-              <a:rPr lang="en-US" smtClean="0"/>
+              <a:rPr lang="en-US"/>
               <a:t>Fourth level</a:t>
             </a:r>
           </a:p>
           <a:p>
             <a:pPr lvl="4"/>
             <a:r>
-              <a:rPr lang="en-US" smtClean="0"/>
+              <a:rPr lang="en-US"/>
               <a:t>Fifth level</a:t>
             </a:r>
-            <a:endParaRPr lang="en-US"/>
           </a:p>
         </p:txBody>
       </p:sp>
@@ -1243,7 +1235,7 @@
           <a:p>
             <a:fld id="{9FE6EF28-1B65-43EB-BD1C-72911E88FB32}" type="datetimeFigureOut">
               <a:rPr lang="en-US" smtClean="0"/>
-              <a:t>2/3/2025</a:t>
+              <a:t>2/4/2025</a:t>
             </a:fld>
             <a:endParaRPr lang="en-US"/>
           </a:p>
@@ -1342,10 +1334,9 @@
           <a:lstStyle/>
           <a:p>
             <a:r>
-              <a:rPr lang="en-US" smtClean="0"/>
+              <a:rPr lang="en-US"/>
               <a:t>Click to edit Master title style</a:t>
             </a:r>
-            <a:endParaRPr lang="en-US"/>
           </a:p>
         </p:txBody>
       </p:sp>
@@ -1408,7 +1399,7 @@
           <a:p>
             <a:pPr lvl="0"/>
             <a:r>
-              <a:rPr lang="en-US" smtClean="0"/>
+              <a:rPr lang="en-US"/>
               <a:t>Edit Master text styles</a:t>
             </a:r>
           </a:p>
@@ -1436,38 +1427,37 @@
           <a:p>
             <a:pPr lvl="0"/>
             <a:r>
-              <a:rPr lang="en-US" smtClean="0"/>
+              <a:rPr lang="en-US"/>
               <a:t>Edit Master text styles</a:t>
             </a:r>
           </a:p>
           <a:p>
             <a:pPr lvl="1"/>
             <a:r>
-              <a:rPr lang="en-US" smtClean="0"/>
+              <a:rPr lang="en-US"/>
               <a:t>Second level</a:t>
             </a:r>
           </a:p>
           <a:p>
             <a:pPr lvl="2"/>
             <a:r>
-              <a:rPr lang="en-US" smtClean="0"/>
+              <a:rPr lang="en-US"/>
               <a:t>Third level</a:t>
             </a:r>
           </a:p>
           <a:p>
             <a:pPr lvl="3"/>
             <a:r>
-              <a:rPr lang="en-US" smtClean="0"/>
+              <a:rPr lang="en-US"/>
               <a:t>Fourth level</a:t>
             </a:r>
           </a:p>
           <a:p>
             <a:pPr lvl="4"/>
             <a:r>
-              <a:rPr lang="en-US" smtClean="0"/>
+              <a:rPr lang="en-US"/>
               <a:t>Fifth level</a:t>
             </a:r>
-            <a:endParaRPr lang="en-US"/>
           </a:p>
         </p:txBody>
       </p:sp>
@@ -1530,7 +1520,7 @@
           <a:p>
             <a:pPr lvl="0"/>
             <a:r>
-              <a:rPr lang="en-US" smtClean="0"/>
+              <a:rPr lang="en-US"/>
               <a:t>Edit Master text styles</a:t>
             </a:r>
           </a:p>
@@ -1558,38 +1548,37 @@
           <a:p>
             <a:pPr lvl="0"/>
             <a:r>
-              <a:rPr lang="en-US" smtClean="0"/>
+              <a:rPr lang="en-US"/>
               <a:t>Edit Master text styles</a:t>
             </a:r>
           </a:p>
           <a:p>
             <a:pPr lvl="1"/>
             <a:r>
-              <a:rPr lang="en-US" smtClean="0"/>
+              <a:rPr lang="en-US"/>
               <a:t>Second level</a:t>
             </a:r>
           </a:p>
           <a:p>
             <a:pPr lvl="2"/>
             <a:r>
-              <a:rPr lang="en-US" smtClean="0"/>
+              <a:rPr lang="en-US"/>
               <a:t>Third level</a:t>
             </a:r>
           </a:p>
           <a:p>
             <a:pPr lvl="3"/>
             <a:r>
-              <a:rPr lang="en-US" smtClean="0"/>
+              <a:rPr lang="en-US"/>
               <a:t>Fourth level</a:t>
             </a:r>
           </a:p>
           <a:p>
             <a:pPr lvl="4"/>
             <a:r>
-              <a:rPr lang="en-US" smtClean="0"/>
+              <a:rPr lang="en-US"/>
               <a:t>Fifth level</a:t>
             </a:r>
-            <a:endParaRPr lang="en-US"/>
           </a:p>
         </p:txBody>
       </p:sp>
@@ -1610,7 +1599,7 @@
           <a:p>
             <a:fld id="{9FE6EF28-1B65-43EB-BD1C-72911E88FB32}" type="datetimeFigureOut">
               <a:rPr lang="en-US" smtClean="0"/>
-              <a:t>2/3/2025</a:t>
+              <a:t>2/4/2025</a:t>
             </a:fld>
             <a:endParaRPr lang="en-US"/>
           </a:p>
@@ -1704,10 +1693,9 @@
           <a:lstStyle/>
           <a:p>
             <a:r>
-              <a:rPr lang="en-US" smtClean="0"/>
+              <a:rPr lang="en-US"/>
               <a:t>Click to edit Master title style</a:t>
             </a:r>
-            <a:endParaRPr lang="en-US"/>
           </a:p>
         </p:txBody>
       </p:sp>
@@ -1728,7 +1716,7 @@
           <a:p>
             <a:fld id="{9FE6EF28-1B65-43EB-BD1C-72911E88FB32}" type="datetimeFigureOut">
               <a:rPr lang="en-US" smtClean="0"/>
-              <a:t>2/3/2025</a:t>
+              <a:t>2/4/2025</a:t>
             </a:fld>
             <a:endParaRPr lang="en-US"/>
           </a:p>
@@ -1823,7 +1811,7 @@
           <a:p>
             <a:fld id="{9FE6EF28-1B65-43EB-BD1C-72911E88FB32}" type="datetimeFigureOut">
               <a:rPr lang="en-US" smtClean="0"/>
-              <a:t>2/3/2025</a:t>
+              <a:t>2/4/2025</a:t>
             </a:fld>
             <a:endParaRPr lang="en-US"/>
           </a:p>
@@ -1926,10 +1914,9 @@
           </a:lstStyle>
           <a:p>
             <a:r>
-              <a:rPr lang="en-US" smtClean="0"/>
+              <a:rPr lang="en-US"/>
               <a:t>Click to edit Master title style</a:t>
             </a:r>
-            <a:endParaRPr lang="en-US"/>
           </a:p>
         </p:txBody>
       </p:sp>
@@ -1983,38 +1970,37 @@
           <a:p>
             <a:pPr lvl="0"/>
             <a:r>
-              <a:rPr lang="en-US" smtClean="0"/>
+              <a:rPr lang="en-US"/>
               <a:t>Edit Master text styles</a:t>
             </a:r>
           </a:p>
           <a:p>
             <a:pPr lvl="1"/>
             <a:r>
-              <a:rPr lang="en-US" smtClean="0"/>
+              <a:rPr lang="en-US"/>
               <a:t>Second level</a:t>
             </a:r>
           </a:p>
           <a:p>
             <a:pPr lvl="2"/>
             <a:r>
-              <a:rPr lang="en-US" smtClean="0"/>
+              <a:rPr lang="en-US"/>
               <a:t>Third level</a:t>
             </a:r>
           </a:p>
           <a:p>
             <a:pPr lvl="3"/>
             <a:r>
-              <a:rPr lang="en-US" smtClean="0"/>
+              <a:rPr lang="en-US"/>
               <a:t>Fourth level</a:t>
             </a:r>
           </a:p>
           <a:p>
             <a:pPr lvl="4"/>
             <a:r>
-              <a:rPr lang="en-US" smtClean="0"/>
+              <a:rPr lang="en-US"/>
               <a:t>Fifth level</a:t>
             </a:r>
-            <a:endParaRPr lang="en-US"/>
           </a:p>
         </p:txBody>
       </p:sp>
@@ -2077,7 +2063,7 @@
           <a:p>
             <a:pPr lvl="0"/>
             <a:r>
-              <a:rPr lang="en-US" smtClean="0"/>
+              <a:rPr lang="en-US"/>
               <a:t>Edit Master text styles</a:t>
             </a:r>
           </a:p>
@@ -2100,7 +2086,7 @@
           <a:p>
             <a:fld id="{9FE6EF28-1B65-43EB-BD1C-72911E88FB32}" type="datetimeFigureOut">
               <a:rPr lang="en-US" smtClean="0"/>
-              <a:t>2/3/2025</a:t>
+              <a:t>2/4/2025</a:t>
             </a:fld>
             <a:endParaRPr lang="en-US"/>
           </a:p>
@@ -2203,10 +2189,9 @@
           </a:lstStyle>
           <a:p>
             <a:r>
-              <a:rPr lang="en-US" smtClean="0"/>
+              <a:rPr lang="en-US"/>
               <a:t>Click to edit Master title style</a:t>
             </a:r>
-            <a:endParaRPr lang="en-US"/>
           </a:p>
         </p:txBody>
       </p:sp>
@@ -2330,7 +2315,7 @@
           <a:p>
             <a:pPr lvl="0"/>
             <a:r>
-              <a:rPr lang="en-US" smtClean="0"/>
+              <a:rPr lang="en-US"/>
               <a:t>Edit Master text styles</a:t>
             </a:r>
           </a:p>
@@ -2353,7 +2338,7 @@
           <a:p>
             <a:fld id="{9FE6EF28-1B65-43EB-BD1C-72911E88FB32}" type="datetimeFigureOut">
               <a:rPr lang="en-US" smtClean="0"/>
-              <a:t>2/3/2025</a:t>
+              <a:t>2/4/2025</a:t>
             </a:fld>
             <a:endParaRPr lang="en-US"/>
           </a:p>
@@ -2462,10 +2447,9 @@
           <a:lstStyle/>
           <a:p>
             <a:r>
-              <a:rPr lang="en-US" smtClean="0"/>
+              <a:rPr lang="en-US"/>
               <a:t>Click to edit Master title style</a:t>
             </a:r>
-            <a:endParaRPr lang="en-US"/>
           </a:p>
         </p:txBody>
       </p:sp>
@@ -2496,38 +2480,37 @@
           <a:p>
             <a:pPr lvl="0"/>
             <a:r>
-              <a:rPr lang="en-US" smtClean="0"/>
+              <a:rPr lang="en-US"/>
               <a:t>Edit Master text styles</a:t>
             </a:r>
           </a:p>
           <a:p>
             <a:pPr lvl="1"/>
             <a:r>
-              <a:rPr lang="en-US" smtClean="0"/>
+              <a:rPr lang="en-US"/>
               <a:t>Second level</a:t>
             </a:r>
           </a:p>
           <a:p>
             <a:pPr lvl="2"/>
             <a:r>
-              <a:rPr lang="en-US" smtClean="0"/>
+              <a:rPr lang="en-US"/>
               <a:t>Third level</a:t>
             </a:r>
           </a:p>
           <a:p>
             <a:pPr lvl="3"/>
             <a:r>
-              <a:rPr lang="en-US" smtClean="0"/>
+              <a:rPr lang="en-US"/>
               <a:t>Fourth level</a:t>
             </a:r>
           </a:p>
           <a:p>
             <a:pPr lvl="4"/>
             <a:r>
-              <a:rPr lang="en-US" smtClean="0"/>
+              <a:rPr lang="en-US"/>
               <a:t>Fifth level</a:t>
             </a:r>
-            <a:endParaRPr lang="en-US"/>
           </a:p>
         </p:txBody>
       </p:sp>
@@ -2566,7 +2549,7 @@
           <a:p>
             <a:fld id="{9FE6EF28-1B65-43EB-BD1C-72911E88FB32}" type="datetimeFigureOut">
               <a:rPr lang="en-US" smtClean="0"/>
-              <a:t>2/3/2025</a:t>
+              <a:t>2/4/2025</a:t>
             </a:fld>
             <a:endParaRPr lang="en-US"/>
           </a:p>
@@ -3117,14 +3100,6 @@
                 </a:solidFill>
               </a:rPr>
             </a:br>
-            <a:r>
-              <a:rPr lang="en-US" sz="4000" dirty="0">
-                <a:solidFill>
-                  <a:srgbClr val="FFFFFF"/>
-                </a:solidFill>
-              </a:rPr>
-              <a:t/>
-            </a:r>
             <a:br>
               <a:rPr lang="en-US" sz="4000" dirty="0">
                 <a:solidFill>
@@ -3444,13 +3419,6 @@
   <p:clrMapOvr>
     <a:masterClrMapping/>
   </p:clrMapOvr>
-  <p:timing>
-    <p:tnLst>
-      <p:par>
-        <p:cTn id="1" dur="indefinite" restart="never" nodeType="tmRoot"/>
-      </p:par>
-    </p:tnLst>
-  </p:timing>
 </p:sld>
 </file>
 
@@ -3826,13 +3794,6 @@
   <p:clrMapOvr>
     <a:masterClrMapping/>
   </p:clrMapOvr>
-  <p:timing>
-    <p:tnLst>
-      <p:par>
-        <p:cTn id="1" dur="indefinite" restart="never" nodeType="tmRoot"/>
-      </p:par>
-    </p:tnLst>
-  </p:timing>
 </p:sld>
 </file>
 
@@ -4318,13 +4279,6 @@
   <p:clrMapOvr>
     <a:masterClrMapping/>
   </p:clrMapOvr>
-  <p:timing>
-    <p:tnLst>
-      <p:par>
-        <p:cTn id="1" dur="indefinite" restart="never" nodeType="tmRoot"/>
-      </p:par>
-    </p:tnLst>
-  </p:timing>
 </p:sld>
 </file>
 
@@ -4711,13 +4665,6 @@
   <p:clrMapOvr>
     <a:masterClrMapping/>
   </p:clrMapOvr>
-  <p:timing>
-    <p:tnLst>
-      <p:par>
-        <p:cTn id="1" dur="indefinite" restart="never" nodeType="tmRoot"/>
-      </p:par>
-    </p:tnLst>
-  </p:timing>
 </p:sld>
 </file>
 
@@ -4740,10 +4687,38 @@
       </p:grpSpPr>
       <p:sp>
         <p:nvSpPr>
+          <p:cNvPr id="2" name="Title 1">
+            <a:extLst>
+              <a:ext uri="{FF2B5EF4-FFF2-40B4-BE49-F238E27FC236}">
+                <a16:creationId xmlns:a16="http://schemas.microsoft.com/office/drawing/2014/main" id="{0DD4C6E2-43C3-38E1-733D-72464BDB15DA}"/>
+              </a:ext>
+            </a:extLst>
+          </p:cNvPr>
+          <p:cNvSpPr>
+            <a:spLocks noGrp="1"/>
+          </p:cNvSpPr>
+          <p:nvPr>
+            <p:ph type="title"/>
+          </p:nvPr>
+        </p:nvSpPr>
+        <p:spPr/>
+        <p:txBody>
+          <a:bodyPr/>
+          <a:lstStyle/>
+          <a:p>
+            <a:r>
+              <a:rPr lang="en-US" dirty="0"/>
+              <a:t>Explanation of change in log scale</a:t>
+            </a:r>
+          </a:p>
+        </p:txBody>
+      </p:sp>
+      <p:sp>
+        <p:nvSpPr>
           <p:cNvPr id="3" name="Content Placeholder 2">
             <a:extLst>
               <a:ext uri="{FF2B5EF4-FFF2-40B4-BE49-F238E27FC236}">
-                <a16:creationId xmlns:a16="http://schemas.microsoft.com/office/drawing/2014/main" id="{8B10E0B3-7AAD-86A7-60B8-B4CF4331ED25}"/>
+                <a16:creationId xmlns:a16="http://schemas.microsoft.com/office/drawing/2014/main" id="{EFA6CB21-D93B-224F-DED8-52B49BF48310}"/>
               </a:ext>
             </a:extLst>
           </p:cNvPr>
@@ -4754,1371 +4729,41 @@
             <p:ph idx="1"/>
           </p:nvPr>
         </p:nvSpPr>
-        <p:spPr>
-          <a:xfrm>
-            <a:off x="525774" y="775300"/>
-            <a:ext cx="11029615" cy="755627"/>
-          </a:xfrm>
-        </p:spPr>
-        <p:txBody>
-          <a:bodyPr>
-            <a:normAutofit/>
-          </a:bodyPr>
-          <a:lstStyle/>
-          <a:p>
-            <a:pPr marL="0" indent="0">
-              <a:buNone/>
-            </a:pPr>
-            <a:r>
-              <a:rPr lang="en-US" sz="2800" dirty="0"/>
-              <a:t>3. Transform independent variable </a:t>
-            </a:r>
-          </a:p>
-        </p:txBody>
-      </p:sp>
-      <mc:AlternateContent xmlns:mc="http://schemas.openxmlformats.org/markup-compatibility/2006" xmlns:a14="http://schemas.microsoft.com/office/drawing/2010/main">
-        <mc:Choice Requires="a14">
-          <p:sp>
-            <p:nvSpPr>
-              <p:cNvPr id="7" name="TextBox 6">
-                <a:extLst>
-                  <a:ext uri="{FF2B5EF4-FFF2-40B4-BE49-F238E27FC236}">
-                    <a16:creationId xmlns:a16="http://schemas.microsoft.com/office/drawing/2014/main" id="{5A935A9A-3577-BA5D-A5DB-3BD45C91B750}"/>
-                  </a:ext>
-                </a:extLst>
-              </p:cNvPr>
-              <p:cNvSpPr txBox="1"/>
-              <p:nvPr/>
-            </p:nvSpPr>
-            <p:spPr>
-              <a:xfrm>
-                <a:off x="1156855" y="1551709"/>
-                <a:ext cx="9982199" cy="1671996"/>
-              </a:xfrm>
-              <a:prstGeom prst="rect">
-                <a:avLst/>
-              </a:prstGeom>
-              <a:noFill/>
-            </p:spPr>
-            <p:txBody>
-              <a:bodyPr wrap="square">
-                <a:spAutoFit/>
-              </a:bodyPr>
-              <a:lstStyle/>
-              <a:p>
-                <a:pPr/>
-                <a14:m>
-                  <m:oMathPara xmlns:m="http://schemas.openxmlformats.org/officeDocument/2006/math">
-                    <m:oMathParaPr>
-                      <m:jc m:val="centerGroup"/>
-                    </m:oMathParaPr>
-                    <m:oMath xmlns:m="http://schemas.openxmlformats.org/officeDocument/2006/math">
-                      <m:sSup>
-                        <m:sSupPr>
-                          <m:ctrlPr>
-                            <a:rPr lang="en-US" sz="1800" b="0" i="1" smtClean="0">
-                              <a:latin typeface="Cambria Math" panose="02040503050406030204" pitchFamily="18" charset="0"/>
-                            </a:rPr>
-                          </m:ctrlPr>
-                        </m:sSupPr>
-                        <m:e>
-                          <m:r>
-                            <a:rPr lang="en-US" sz="1800" b="0" i="1" smtClean="0">
-                              <a:latin typeface="Cambria Math" panose="02040503050406030204" pitchFamily="18" charset="0"/>
-                            </a:rPr>
-                            <m:t>𝑋</m:t>
-                          </m:r>
-                        </m:e>
-                        <m:sup>
-                          <m:r>
-                            <a:rPr lang="en-US" sz="1800" b="0" i="1" smtClean="0">
-                              <a:latin typeface="Cambria Math" panose="02040503050406030204" pitchFamily="18" charset="0"/>
-                            </a:rPr>
-                            <m:t>𝜆</m:t>
-                          </m:r>
-                        </m:sup>
-                      </m:sSup>
-                      <m:r>
-                        <a:rPr lang="en-US" sz="1800" b="0" i="1" smtClean="0">
-                          <a:latin typeface="Cambria Math" panose="02040503050406030204" pitchFamily="18" charset="0"/>
-                        </a:rPr>
-                        <m:t>=</m:t>
-                      </m:r>
-                      <m:d>
-                        <m:dPr>
-                          <m:begChr m:val="{"/>
-                          <m:endChr m:val=""/>
-                          <m:ctrlPr>
-                            <a:rPr lang="en-US" sz="1800" b="0" i="1" smtClean="0">
-                              <a:latin typeface="Cambria Math" panose="02040503050406030204" pitchFamily="18" charset="0"/>
-                            </a:rPr>
-                          </m:ctrlPr>
-                        </m:dPr>
-                        <m:e>
-                          <m:eqArr>
-                            <m:eqArrPr>
-                              <m:ctrlPr>
-                                <a:rPr lang="en-US" sz="1800" b="0" i="1" smtClean="0">
-                                  <a:latin typeface="Cambria Math" panose="02040503050406030204" pitchFamily="18" charset="0"/>
-                                </a:rPr>
-                              </m:ctrlPr>
-                            </m:eqArrPr>
-                            <m:e>
-                              <m:f>
-                                <m:fPr>
-                                  <m:ctrlPr>
-                                    <a:rPr lang="en-US" sz="1800" b="0" i="1" smtClean="0">
-                                      <a:latin typeface="Cambria Math" panose="02040503050406030204" pitchFamily="18" charset="0"/>
-                                    </a:rPr>
-                                  </m:ctrlPr>
-                                </m:fPr>
-                                <m:num>
-                                  <m:sSup>
-                                    <m:sSupPr>
-                                      <m:ctrlPr>
-                                        <a:rPr lang="en-US" sz="1800" b="0" i="1" smtClean="0">
-                                          <a:latin typeface="Cambria Math" panose="02040503050406030204" pitchFamily="18" charset="0"/>
-                                        </a:rPr>
-                                      </m:ctrlPr>
-                                    </m:sSupPr>
-                                    <m:e>
-                                      <m:r>
-                                        <a:rPr lang="en-US" sz="1800" b="0" i="1" smtClean="0">
-                                          <a:latin typeface="Cambria Math" panose="02040503050406030204" pitchFamily="18" charset="0"/>
-                                        </a:rPr>
-                                        <m:t>𝑋</m:t>
-                                      </m:r>
-                                    </m:e>
-                                    <m:sup>
-                                      <m:r>
-                                        <a:rPr lang="en-US" sz="1800" b="0" i="1" smtClean="0">
-                                          <a:latin typeface="Cambria Math" panose="02040503050406030204" pitchFamily="18" charset="0"/>
-                                        </a:rPr>
-                                        <m:t>𝜆</m:t>
-                                      </m:r>
-                                    </m:sup>
-                                  </m:sSup>
-                                  <m:r>
-                                    <a:rPr lang="en-US" sz="1800" b="0" i="1" smtClean="0">
-                                      <a:latin typeface="Cambria Math" panose="02040503050406030204" pitchFamily="18" charset="0"/>
-                                    </a:rPr>
-                                    <m:t> −1</m:t>
-                                  </m:r>
-                                </m:num>
-                                <m:den>
-                                  <m:r>
-                                    <a:rPr lang="en-US" sz="1800" b="0" i="1" smtClean="0">
-                                      <a:latin typeface="Cambria Math" panose="02040503050406030204" pitchFamily="18" charset="0"/>
-                                    </a:rPr>
-                                    <m:t>𝑋</m:t>
-                                  </m:r>
-                                </m:den>
-                              </m:f>
-                              <m:r>
-                                <a:rPr lang="en-US" sz="1800" b="0" i="1" smtClean="0">
-                                  <a:latin typeface="Cambria Math" panose="02040503050406030204" pitchFamily="18" charset="0"/>
-                                </a:rPr>
-                                <m:t> ,  </m:t>
-                              </m:r>
-                              <m:r>
-                                <a:rPr lang="en-US" sz="1800" b="0" i="1" smtClean="0">
-                                  <a:latin typeface="Cambria Math" panose="02040503050406030204" pitchFamily="18" charset="0"/>
-                                </a:rPr>
-                                <m:t>𝑤h𝑒𝑟𝑒</m:t>
-                              </m:r>
-                              <m:r>
-                                <a:rPr lang="en-US" sz="1800" b="0" i="1" smtClean="0">
-                                  <a:latin typeface="Cambria Math" panose="02040503050406030204" pitchFamily="18" charset="0"/>
-                                </a:rPr>
-                                <m:t> </m:t>
-                              </m:r>
-                              <m:r>
-                                <a:rPr lang="en-US" sz="1800" b="0" i="1" smtClean="0">
-                                  <a:latin typeface="Cambria Math" panose="02040503050406030204" pitchFamily="18" charset="0"/>
-                                </a:rPr>
-                                <m:t>𝜆</m:t>
-                              </m:r>
-                              <m:r>
-                                <a:rPr lang="en-US" sz="1800" b="0" i="1" smtClean="0">
-                                  <a:latin typeface="Cambria Math" panose="02040503050406030204" pitchFamily="18" charset="0"/>
-                                  <a:ea typeface="Cambria Math" panose="02040503050406030204" pitchFamily="18" charset="0"/>
-                                </a:rPr>
-                                <m:t>≠0</m:t>
-                              </m:r>
-                              <m:r>
-                                <a:rPr lang="en-US" sz="1800" b="0" i="1" smtClean="0">
-                                  <a:latin typeface="Cambria Math" panose="02040503050406030204" pitchFamily="18" charset="0"/>
-                                </a:rPr>
-                                <m:t> </m:t>
-                              </m:r>
-                            </m:e>
-                            <m:e>
-                              <m:func>
-                                <m:funcPr>
-                                  <m:ctrlPr>
-                                    <a:rPr lang="en-US" sz="1800" b="0" i="1" smtClean="0">
-                                      <a:latin typeface="Cambria Math" panose="02040503050406030204" pitchFamily="18" charset="0"/>
-                                    </a:rPr>
-                                  </m:ctrlPr>
-                                </m:funcPr>
-                                <m:fName>
-                                  <m:r>
-                                    <m:rPr>
-                                      <m:sty m:val="p"/>
-                                    </m:rPr>
-                                    <a:rPr lang="en-US" sz="1800" b="0" i="0" smtClean="0">
-                                      <a:latin typeface="Cambria Math" panose="02040503050406030204" pitchFamily="18" charset="0"/>
-                                    </a:rPr>
-                                    <m:t>log</m:t>
-                                  </m:r>
-                                </m:fName>
-                                <m:e>
-                                  <m:d>
-                                    <m:dPr>
-                                      <m:ctrlPr>
-                                        <a:rPr lang="en-US" sz="1800" b="0" i="1" smtClean="0">
-                                          <a:latin typeface="Cambria Math" panose="02040503050406030204" pitchFamily="18" charset="0"/>
-                                        </a:rPr>
-                                      </m:ctrlPr>
-                                    </m:dPr>
-                                    <m:e>
-                                      <m:r>
-                                        <a:rPr lang="en-US" sz="1800" b="0" i="1" smtClean="0">
-                                          <a:latin typeface="Cambria Math" panose="02040503050406030204" pitchFamily="18" charset="0"/>
-                                        </a:rPr>
-                                        <m:t>𝑋</m:t>
-                                      </m:r>
-                                    </m:e>
-                                  </m:d>
-                                </m:e>
-                              </m:func>
-                              <m:r>
-                                <a:rPr lang="en-US" sz="1800" b="0" i="1" smtClean="0">
-                                  <a:latin typeface="Cambria Math" panose="02040503050406030204" pitchFamily="18" charset="0"/>
-                                </a:rPr>
-                                <m:t>,  </m:t>
-                              </m:r>
-                              <m:r>
-                                <a:rPr lang="en-US" sz="1800" b="0" i="1" smtClean="0">
-                                  <a:latin typeface="Cambria Math" panose="02040503050406030204" pitchFamily="18" charset="0"/>
-                                </a:rPr>
-                                <m:t>𝑤h𝑒𝑟𝑒</m:t>
-                              </m:r>
-                              <m:r>
-                                <a:rPr lang="en-US" sz="1800" b="0" i="1" smtClean="0">
-                                  <a:latin typeface="Cambria Math" panose="02040503050406030204" pitchFamily="18" charset="0"/>
-                                </a:rPr>
-                                <m:t> </m:t>
-                              </m:r>
-                              <m:r>
-                                <a:rPr lang="en-US" sz="1800" b="0" i="1" smtClean="0">
-                                  <a:latin typeface="Cambria Math" panose="02040503050406030204" pitchFamily="18" charset="0"/>
-                                </a:rPr>
-                                <m:t>𝜆</m:t>
-                              </m:r>
-                              <m:r>
-                                <a:rPr lang="en-US" sz="1800" b="0" i="1" smtClean="0">
-                                  <a:latin typeface="Cambria Math" panose="02040503050406030204" pitchFamily="18" charset="0"/>
-                                </a:rPr>
-                                <m:t>=0</m:t>
-                              </m:r>
-                            </m:e>
-                          </m:eqArr>
-                        </m:e>
-                      </m:d>
-                    </m:oMath>
-                  </m:oMathPara>
-                </a14:m>
-                <a:endParaRPr lang="en-US" sz="1800" b="0" dirty="0"/>
-              </a:p>
-              <a:p>
-                <a:endParaRPr lang="en-US" dirty="0"/>
-              </a:p>
-              <a:p>
-                <a:r>
-                  <a:rPr lang="en-US" dirty="0"/>
-                  <a:t>Ensure </a:t>
-                </a:r>
-                <a14:m>
-                  <m:oMath xmlns:m="http://schemas.openxmlformats.org/officeDocument/2006/math">
-                    <m:r>
-                      <a:rPr lang="en-US" b="0" i="1" smtClean="0">
-                        <a:latin typeface="Cambria Math" panose="02040503050406030204" pitchFamily="18" charset="0"/>
-                      </a:rPr>
-                      <m:t>𝑋</m:t>
-                    </m:r>
-                  </m:oMath>
-                </a14:m>
-                <a:r>
-                  <a:rPr lang="en-US" dirty="0"/>
-                  <a:t> is properly scaled before modeling </a:t>
-                </a:r>
-                <a14:m>
-                  <m:oMath xmlns:m="http://schemas.openxmlformats.org/officeDocument/2006/math">
-                    <m:r>
-                      <a:rPr lang="en-US" b="0" i="1" smtClean="0">
-                        <a:latin typeface="Cambria Math" panose="02040503050406030204" pitchFamily="18" charset="0"/>
-                      </a:rPr>
-                      <m:t>𝑌</m:t>
-                    </m:r>
-                  </m:oMath>
-                </a14:m>
-                <a:endParaRPr lang="en-US" dirty="0"/>
-              </a:p>
-            </p:txBody>
-          </p:sp>
-        </mc:Choice>
-        <mc:Fallback xmlns="">
-          <p:sp>
-            <p:nvSpPr>
-              <p:cNvPr id="7" name="TextBox 6">
-                <a:extLst>
-                  <a:ext uri="{FF2B5EF4-FFF2-40B4-BE49-F238E27FC236}">
-                    <a16:creationId xmlns:a16="http://schemas.microsoft.com/office/drawing/2014/main" id="{5A935A9A-3577-BA5D-A5DB-3BD45C91B750}"/>
-                  </a:ext>
-                </a:extLst>
-              </p:cNvPr>
-              <p:cNvSpPr txBox="1">
-                <a:spLocks noRot="1" noChangeAspect="1" noMove="1" noResize="1" noEditPoints="1" noAdjustHandles="1" noChangeArrowheads="1" noChangeShapeType="1" noTextEdit="1"/>
-              </p:cNvSpPr>
-              <p:nvPr/>
-            </p:nvSpPr>
-            <p:spPr>
-              <a:xfrm>
-                <a:off x="1156855" y="1551709"/>
-                <a:ext cx="9982199" cy="1671996"/>
-              </a:xfrm>
-              <a:prstGeom prst="rect">
-                <a:avLst/>
-              </a:prstGeom>
-              <a:blipFill>
-                <a:blip r:embed="rId2"/>
-                <a:stretch>
-                  <a:fillRect l="-550" b="-5109"/>
-                </a:stretch>
-              </a:blipFill>
-            </p:spPr>
-            <p:txBody>
-              <a:bodyPr/>
-              <a:lstStyle/>
-              <a:p>
-                <a:r>
-                  <a:rPr lang="en-US">
-                    <a:noFill/>
-                  </a:rPr>
-                  <a:t> </a:t>
-                </a:r>
-              </a:p>
-            </p:txBody>
-          </p:sp>
-        </mc:Fallback>
-      </mc:AlternateContent>
-      <p:sp>
-        <p:nvSpPr>
-          <p:cNvPr id="8" name="Content Placeholder 2">
-            <a:extLst>
-              <a:ext uri="{FF2B5EF4-FFF2-40B4-BE49-F238E27FC236}">
-                <a16:creationId xmlns:a16="http://schemas.microsoft.com/office/drawing/2014/main" id="{C9D340C7-F453-AFA1-C453-54C5096246AD}"/>
-              </a:ext>
-            </a:extLst>
-          </p:cNvPr>
-          <p:cNvSpPr txBox="1">
-            <a:spLocks/>
-          </p:cNvSpPr>
-          <p:nvPr/>
-        </p:nvSpPr>
-        <p:spPr>
-          <a:xfrm>
-            <a:off x="581192" y="3698610"/>
-            <a:ext cx="11029615" cy="755627"/>
-          </a:xfrm>
-          <a:prstGeom prst="rect">
-            <a:avLst/>
-          </a:prstGeom>
-        </p:spPr>
-        <p:txBody>
-          <a:bodyPr vert="horz" lIns="91440" tIns="45720" rIns="91440" bIns="45720" rtlCol="0" anchor="ctr">
-            <a:normAutofit/>
-          </a:bodyPr>
-          <a:lstStyle>
-            <a:lvl1pPr marL="306000" indent="-306000" algn="l" defTabSz="457200" rtl="0" eaLnBrk="1" latinLnBrk="0" hangingPunct="1">
-              <a:lnSpc>
-                <a:spcPct val="100000"/>
-              </a:lnSpc>
-              <a:spcBef>
-                <a:spcPct val="20000"/>
-              </a:spcBef>
-              <a:spcAft>
-                <a:spcPts val="600"/>
-              </a:spcAft>
-              <a:buClr>
-                <a:schemeClr val="accent1"/>
-              </a:buClr>
-              <a:buSzPct val="92000"/>
-              <a:buFont typeface="Wingdings 2" panose="05020102010507070707" pitchFamily="18" charset="2"/>
-              <a:buChar char=""/>
-              <a:defRPr sz="1800" kern="1200">
-                <a:solidFill>
-                  <a:schemeClr val="tx1">
-                    <a:lumMod val="75000"/>
-                    <a:lumOff val="25000"/>
-                  </a:schemeClr>
-                </a:solidFill>
-                <a:latin typeface="+mn-lt"/>
-                <a:ea typeface="+mn-ea"/>
-                <a:cs typeface="+mn-cs"/>
-              </a:defRPr>
-            </a:lvl1pPr>
-            <a:lvl2pPr marL="630000" indent="-306000" algn="l" defTabSz="457200" rtl="0" eaLnBrk="1" latinLnBrk="0" hangingPunct="1">
-              <a:lnSpc>
-                <a:spcPct val="100000"/>
-              </a:lnSpc>
-              <a:spcBef>
-                <a:spcPct val="20000"/>
-              </a:spcBef>
-              <a:spcAft>
-                <a:spcPts val="600"/>
-              </a:spcAft>
-              <a:buClr>
-                <a:schemeClr val="accent1"/>
-              </a:buClr>
-              <a:buSzPct val="92000"/>
-              <a:buFont typeface="Wingdings 2" panose="05020102010507070707" pitchFamily="18" charset="2"/>
-              <a:buChar char=""/>
-              <a:defRPr sz="1600" kern="1200">
-                <a:solidFill>
-                  <a:schemeClr val="tx1">
-                    <a:lumMod val="75000"/>
-                    <a:lumOff val="25000"/>
-                  </a:schemeClr>
-                </a:solidFill>
-                <a:latin typeface="+mn-lt"/>
-                <a:ea typeface="+mn-ea"/>
-                <a:cs typeface="+mn-cs"/>
-              </a:defRPr>
-            </a:lvl2pPr>
-            <a:lvl3pPr marL="900000" indent="-270000" algn="l" defTabSz="457200" rtl="0" eaLnBrk="1" latinLnBrk="0" hangingPunct="1">
-              <a:lnSpc>
-                <a:spcPct val="100000"/>
-              </a:lnSpc>
-              <a:spcBef>
-                <a:spcPct val="20000"/>
-              </a:spcBef>
-              <a:spcAft>
-                <a:spcPts val="600"/>
-              </a:spcAft>
-              <a:buClr>
-                <a:schemeClr val="accent1"/>
-              </a:buClr>
-              <a:buSzPct val="92000"/>
-              <a:buFont typeface="Wingdings 2" panose="05020102010507070707" pitchFamily="18" charset="2"/>
-              <a:buChar char=""/>
-              <a:defRPr sz="1400" kern="1200">
-                <a:solidFill>
-                  <a:schemeClr val="tx1">
-                    <a:lumMod val="75000"/>
-                    <a:lumOff val="25000"/>
-                  </a:schemeClr>
-                </a:solidFill>
-                <a:latin typeface="+mn-lt"/>
-                <a:ea typeface="+mn-ea"/>
-                <a:cs typeface="+mn-cs"/>
-              </a:defRPr>
-            </a:lvl3pPr>
-            <a:lvl4pPr marL="1242000" indent="-234000" algn="l" defTabSz="457200" rtl="0" eaLnBrk="1" latinLnBrk="0" hangingPunct="1">
-              <a:lnSpc>
-                <a:spcPct val="100000"/>
-              </a:lnSpc>
-              <a:spcBef>
-                <a:spcPct val="20000"/>
-              </a:spcBef>
-              <a:spcAft>
-                <a:spcPts val="600"/>
-              </a:spcAft>
-              <a:buClr>
-                <a:schemeClr val="accent1"/>
-              </a:buClr>
-              <a:buSzPct val="92000"/>
-              <a:buFont typeface="Wingdings 2" panose="05020102010507070707" pitchFamily="18" charset="2"/>
-              <a:buChar char=""/>
-              <a:defRPr sz="1200" kern="1200">
-                <a:solidFill>
-                  <a:schemeClr val="tx1">
-                    <a:lumMod val="75000"/>
-                    <a:lumOff val="25000"/>
-                  </a:schemeClr>
-                </a:solidFill>
-                <a:latin typeface="+mn-lt"/>
-                <a:ea typeface="+mn-ea"/>
-                <a:cs typeface="+mn-cs"/>
-              </a:defRPr>
-            </a:lvl4pPr>
-            <a:lvl5pPr marL="1602000" indent="-234000" algn="l" defTabSz="457200" rtl="0" eaLnBrk="1" latinLnBrk="0" hangingPunct="1">
-              <a:lnSpc>
-                <a:spcPct val="100000"/>
-              </a:lnSpc>
-              <a:spcBef>
-                <a:spcPct val="20000"/>
-              </a:spcBef>
-              <a:spcAft>
-                <a:spcPts val="600"/>
-              </a:spcAft>
-              <a:buClr>
-                <a:schemeClr val="accent1"/>
-              </a:buClr>
-              <a:buSzPct val="92000"/>
-              <a:buFont typeface="Wingdings 2" panose="05020102010507070707" pitchFamily="18" charset="2"/>
-              <a:buChar char=""/>
-              <a:defRPr sz="1200" kern="1200">
-                <a:solidFill>
-                  <a:schemeClr val="tx1">
-                    <a:lumMod val="75000"/>
-                    <a:lumOff val="25000"/>
-                  </a:schemeClr>
-                </a:solidFill>
-                <a:latin typeface="+mn-lt"/>
-                <a:ea typeface="+mn-ea"/>
-                <a:cs typeface="+mn-cs"/>
-              </a:defRPr>
-            </a:lvl5pPr>
-            <a:lvl6pPr marL="1900000" indent="-228600" algn="l" defTabSz="457200" rtl="0" eaLnBrk="1" latinLnBrk="0" hangingPunct="1">
-              <a:spcBef>
-                <a:spcPct val="20000"/>
-              </a:spcBef>
-              <a:spcAft>
-                <a:spcPts val="600"/>
-              </a:spcAft>
-              <a:buClr>
-                <a:schemeClr val="accent2"/>
-              </a:buClr>
-              <a:buSzPct val="92000"/>
-              <a:buFont typeface="Wingdings 2" panose="05020102010507070707" pitchFamily="18" charset="2"/>
-              <a:buChar char=""/>
-              <a:defRPr sz="1200" kern="1200">
-                <a:solidFill>
-                  <a:schemeClr val="tx2"/>
-                </a:solidFill>
-                <a:latin typeface="+mn-lt"/>
-                <a:ea typeface="+mn-ea"/>
-                <a:cs typeface="+mn-cs"/>
-              </a:defRPr>
-            </a:lvl6pPr>
-            <a:lvl7pPr marL="2200000" indent="-228600" algn="l" defTabSz="457200" rtl="0" eaLnBrk="1" latinLnBrk="0" hangingPunct="1">
-              <a:spcBef>
-                <a:spcPct val="20000"/>
-              </a:spcBef>
-              <a:spcAft>
-                <a:spcPts val="600"/>
-              </a:spcAft>
-              <a:buClr>
-                <a:schemeClr val="accent2"/>
-              </a:buClr>
-              <a:buSzPct val="92000"/>
-              <a:buFont typeface="Wingdings 2" panose="05020102010507070707" pitchFamily="18" charset="2"/>
-              <a:buChar char=""/>
-              <a:defRPr sz="1200" kern="1200">
-                <a:solidFill>
-                  <a:schemeClr val="tx2"/>
-                </a:solidFill>
-                <a:latin typeface="+mn-lt"/>
-                <a:ea typeface="+mn-ea"/>
-                <a:cs typeface="+mn-cs"/>
-              </a:defRPr>
-            </a:lvl7pPr>
-            <a:lvl8pPr marL="2500000" indent="-228600" algn="l" defTabSz="457200" rtl="0" eaLnBrk="1" latinLnBrk="0" hangingPunct="1">
-              <a:spcBef>
-                <a:spcPct val="20000"/>
-              </a:spcBef>
-              <a:spcAft>
-                <a:spcPts val="600"/>
-              </a:spcAft>
-              <a:buClr>
-                <a:schemeClr val="accent2"/>
-              </a:buClr>
-              <a:buSzPct val="92000"/>
-              <a:buFont typeface="Wingdings 2" panose="05020102010507070707" pitchFamily="18" charset="2"/>
-              <a:buChar char=""/>
-              <a:defRPr sz="1200" kern="1200">
-                <a:solidFill>
-                  <a:schemeClr val="tx2"/>
-                </a:solidFill>
-                <a:latin typeface="+mn-lt"/>
-                <a:ea typeface="+mn-ea"/>
-                <a:cs typeface="+mn-cs"/>
-              </a:defRPr>
-            </a:lvl8pPr>
-            <a:lvl9pPr marL="2800000" indent="-228600" algn="l" defTabSz="457200" rtl="0" eaLnBrk="1" latinLnBrk="0" hangingPunct="1">
-              <a:spcBef>
-                <a:spcPct val="20000"/>
-              </a:spcBef>
-              <a:spcAft>
-                <a:spcPts val="600"/>
-              </a:spcAft>
-              <a:buClr>
-                <a:schemeClr val="accent2"/>
-              </a:buClr>
-              <a:buSzPct val="92000"/>
-              <a:buFont typeface="Wingdings 2" panose="05020102010507070707" pitchFamily="18" charset="2"/>
-              <a:buChar char=""/>
-              <a:defRPr sz="1200" kern="1200">
-                <a:solidFill>
-                  <a:schemeClr val="tx2"/>
-                </a:solidFill>
-                <a:latin typeface="+mn-lt"/>
-                <a:ea typeface="+mn-ea"/>
-                <a:cs typeface="+mn-cs"/>
-              </a:defRPr>
-            </a:lvl9pPr>
-          </a:lstStyle>
-          <a:p>
-            <a:pPr marL="0" indent="0">
-              <a:buFont typeface="Wingdings 2" panose="05020102010507070707" pitchFamily="18" charset="2"/>
-              <a:buNone/>
-            </a:pPr>
-            <a:r>
-              <a:rPr lang="en-US" sz="2800" dirty="0"/>
-              <a:t>4. Transform independent variable </a:t>
-            </a:r>
-          </a:p>
-        </p:txBody>
-      </p:sp>
-      <mc:AlternateContent xmlns:mc="http://schemas.openxmlformats.org/markup-compatibility/2006" xmlns:a14="http://schemas.microsoft.com/office/drawing/2010/main">
-        <mc:Choice Requires="a14">
-          <p:sp>
-            <p:nvSpPr>
-              <p:cNvPr id="10" name="TextBox 9">
-                <a:extLst>
-                  <a:ext uri="{FF2B5EF4-FFF2-40B4-BE49-F238E27FC236}">
-                    <a16:creationId xmlns:a16="http://schemas.microsoft.com/office/drawing/2014/main" id="{10F1E241-E22F-43E9-BE8A-A0EBBED66D19}"/>
-                  </a:ext>
-                </a:extLst>
-              </p:cNvPr>
-              <p:cNvSpPr txBox="1"/>
-              <p:nvPr/>
-            </p:nvSpPr>
-            <p:spPr>
-              <a:xfrm>
-                <a:off x="3099954" y="4474651"/>
-                <a:ext cx="6096000" cy="1117998"/>
-              </a:xfrm>
-              <a:prstGeom prst="rect">
-                <a:avLst/>
-              </a:prstGeom>
-              <a:noFill/>
-            </p:spPr>
-            <p:txBody>
-              <a:bodyPr wrap="square">
-                <a:spAutoFit/>
-              </a:bodyPr>
-              <a:lstStyle/>
-              <a:p>
-                <a:pPr/>
-                <a14:m>
-                  <m:oMathPara xmlns:m="http://schemas.openxmlformats.org/officeDocument/2006/math">
-                    <m:oMathParaPr>
-                      <m:jc m:val="centerGroup"/>
-                    </m:oMathParaPr>
-                    <m:oMath xmlns:m="http://schemas.openxmlformats.org/officeDocument/2006/math">
-                      <m:sSup>
-                        <m:sSupPr>
-                          <m:ctrlPr>
-                            <a:rPr lang="en-US" sz="1800" b="0" i="1" smtClean="0">
-                              <a:latin typeface="Cambria Math" panose="02040503050406030204" pitchFamily="18" charset="0"/>
-                            </a:rPr>
-                          </m:ctrlPr>
-                        </m:sSupPr>
-                        <m:e>
-                          <m:r>
-                            <a:rPr lang="en-US" sz="1800" b="0" i="1" smtClean="0">
-                              <a:latin typeface="Cambria Math" panose="02040503050406030204" pitchFamily="18" charset="0"/>
-                            </a:rPr>
-                            <m:t>𝑌</m:t>
-                          </m:r>
-                        </m:e>
-                        <m:sup>
-                          <m:r>
-                            <a:rPr lang="en-US" sz="1800" b="0" i="1" smtClean="0">
-                              <a:latin typeface="Cambria Math" panose="02040503050406030204" pitchFamily="18" charset="0"/>
-                            </a:rPr>
-                            <m:t>𝜆</m:t>
-                          </m:r>
-                        </m:sup>
-                      </m:sSup>
-                      <m:r>
-                        <a:rPr lang="en-US" sz="1800" b="0" i="1" smtClean="0">
-                          <a:latin typeface="Cambria Math" panose="02040503050406030204" pitchFamily="18" charset="0"/>
-                        </a:rPr>
-                        <m:t>=</m:t>
-                      </m:r>
-                      <m:d>
-                        <m:dPr>
-                          <m:begChr m:val="{"/>
-                          <m:endChr m:val=""/>
-                          <m:ctrlPr>
-                            <a:rPr lang="en-US" sz="1800" b="0" i="1" smtClean="0">
-                              <a:latin typeface="Cambria Math" panose="02040503050406030204" pitchFamily="18" charset="0"/>
-                            </a:rPr>
-                          </m:ctrlPr>
-                        </m:dPr>
-                        <m:e>
-                          <m:eqArr>
-                            <m:eqArrPr>
-                              <m:ctrlPr>
-                                <a:rPr lang="en-US" sz="1800" b="0" i="1" smtClean="0">
-                                  <a:latin typeface="Cambria Math" panose="02040503050406030204" pitchFamily="18" charset="0"/>
-                                </a:rPr>
-                              </m:ctrlPr>
-                            </m:eqArrPr>
-                            <m:e>
-                              <m:f>
-                                <m:fPr>
-                                  <m:ctrlPr>
-                                    <a:rPr lang="en-US" sz="1800" b="0" i="1" smtClean="0">
-                                      <a:latin typeface="Cambria Math" panose="02040503050406030204" pitchFamily="18" charset="0"/>
-                                    </a:rPr>
-                                  </m:ctrlPr>
-                                </m:fPr>
-                                <m:num>
-                                  <m:sSup>
-                                    <m:sSupPr>
-                                      <m:ctrlPr>
-                                        <a:rPr lang="en-US" sz="1800" b="0" i="1" smtClean="0">
-                                          <a:latin typeface="Cambria Math" panose="02040503050406030204" pitchFamily="18" charset="0"/>
-                                        </a:rPr>
-                                      </m:ctrlPr>
-                                    </m:sSupPr>
-                                    <m:e>
-                                      <m:r>
-                                        <a:rPr lang="en-US" sz="1800" b="0" i="1" smtClean="0">
-                                          <a:latin typeface="Cambria Math" panose="02040503050406030204" pitchFamily="18" charset="0"/>
-                                        </a:rPr>
-                                        <m:t>𝑌</m:t>
-                                      </m:r>
-                                    </m:e>
-                                    <m:sup>
-                                      <m:r>
-                                        <a:rPr lang="en-US" sz="1800" b="0" i="1" smtClean="0">
-                                          <a:latin typeface="Cambria Math" panose="02040503050406030204" pitchFamily="18" charset="0"/>
-                                        </a:rPr>
-                                        <m:t>𝜆</m:t>
-                                      </m:r>
-                                    </m:sup>
-                                  </m:sSup>
-                                  <m:r>
-                                    <a:rPr lang="en-US" sz="1800" b="0" i="1" smtClean="0">
-                                      <a:latin typeface="Cambria Math" panose="02040503050406030204" pitchFamily="18" charset="0"/>
-                                    </a:rPr>
-                                    <m:t> −1</m:t>
-                                  </m:r>
-                                </m:num>
-                                <m:den>
-                                  <m:r>
-                                    <a:rPr lang="en-US" sz="1800" b="0" i="1" smtClean="0">
-                                      <a:latin typeface="Cambria Math" panose="02040503050406030204" pitchFamily="18" charset="0"/>
-                                    </a:rPr>
-                                    <m:t>𝑌</m:t>
-                                  </m:r>
-                                </m:den>
-                              </m:f>
-                              <m:r>
-                                <a:rPr lang="en-US" sz="1800" b="0" i="1" smtClean="0">
-                                  <a:latin typeface="Cambria Math" panose="02040503050406030204" pitchFamily="18" charset="0"/>
-                                </a:rPr>
-                                <m:t> ,  </m:t>
-                              </m:r>
-                              <m:r>
-                                <a:rPr lang="en-US" sz="1800" b="0" i="1" smtClean="0">
-                                  <a:latin typeface="Cambria Math" panose="02040503050406030204" pitchFamily="18" charset="0"/>
-                                </a:rPr>
-                                <m:t>𝑤h𝑒𝑟𝑒</m:t>
-                              </m:r>
-                              <m:r>
-                                <a:rPr lang="en-US" sz="1800" b="0" i="1" smtClean="0">
-                                  <a:latin typeface="Cambria Math" panose="02040503050406030204" pitchFamily="18" charset="0"/>
-                                </a:rPr>
-                                <m:t> </m:t>
-                              </m:r>
-                              <m:r>
-                                <a:rPr lang="en-US" sz="1800" b="0" i="1" smtClean="0">
-                                  <a:latin typeface="Cambria Math" panose="02040503050406030204" pitchFamily="18" charset="0"/>
-                                </a:rPr>
-                                <m:t>𝜆</m:t>
-                              </m:r>
-                              <m:r>
-                                <a:rPr lang="en-US" sz="1800" b="0" i="1" smtClean="0">
-                                  <a:latin typeface="Cambria Math" panose="02040503050406030204" pitchFamily="18" charset="0"/>
-                                  <a:ea typeface="Cambria Math" panose="02040503050406030204" pitchFamily="18" charset="0"/>
-                                </a:rPr>
-                                <m:t>≠0</m:t>
-                              </m:r>
-                              <m:r>
-                                <a:rPr lang="en-US" sz="1800" b="0" i="1" smtClean="0">
-                                  <a:latin typeface="Cambria Math" panose="02040503050406030204" pitchFamily="18" charset="0"/>
-                                </a:rPr>
-                                <m:t> </m:t>
-                              </m:r>
-                            </m:e>
-                            <m:e>
-                              <m:func>
-                                <m:funcPr>
-                                  <m:ctrlPr>
-                                    <a:rPr lang="en-US" sz="1800" b="0" i="1" smtClean="0">
-                                      <a:latin typeface="Cambria Math" panose="02040503050406030204" pitchFamily="18" charset="0"/>
-                                    </a:rPr>
-                                  </m:ctrlPr>
-                                </m:funcPr>
-                                <m:fName>
-                                  <m:r>
-                                    <m:rPr>
-                                      <m:sty m:val="p"/>
-                                    </m:rPr>
-                                    <a:rPr lang="en-US" sz="1800" b="0" i="0" smtClean="0">
-                                      <a:latin typeface="Cambria Math" panose="02040503050406030204" pitchFamily="18" charset="0"/>
-                                    </a:rPr>
-                                    <m:t>log</m:t>
-                                  </m:r>
-                                </m:fName>
-                                <m:e>
-                                  <m:d>
-                                    <m:dPr>
-                                      <m:ctrlPr>
-                                        <a:rPr lang="en-US" sz="1800" b="0" i="1" smtClean="0">
-                                          <a:latin typeface="Cambria Math" panose="02040503050406030204" pitchFamily="18" charset="0"/>
-                                        </a:rPr>
-                                      </m:ctrlPr>
-                                    </m:dPr>
-                                    <m:e>
-                                      <m:r>
-                                        <a:rPr lang="en-US" sz="1800" b="0" i="1" smtClean="0">
-                                          <a:latin typeface="Cambria Math" panose="02040503050406030204" pitchFamily="18" charset="0"/>
-                                        </a:rPr>
-                                        <m:t>𝑌</m:t>
-                                      </m:r>
-                                    </m:e>
-                                  </m:d>
-                                </m:e>
-                              </m:func>
-                              <m:r>
-                                <a:rPr lang="en-US" sz="1800" b="0" i="1" smtClean="0">
-                                  <a:latin typeface="Cambria Math" panose="02040503050406030204" pitchFamily="18" charset="0"/>
-                                </a:rPr>
-                                <m:t>,  </m:t>
-                              </m:r>
-                              <m:r>
-                                <a:rPr lang="en-US" sz="1800" b="0" i="1" smtClean="0">
-                                  <a:latin typeface="Cambria Math" panose="02040503050406030204" pitchFamily="18" charset="0"/>
-                                </a:rPr>
-                                <m:t>𝑤h𝑒𝑟𝑒</m:t>
-                              </m:r>
-                              <m:r>
-                                <a:rPr lang="en-US" sz="1800" b="0" i="1" smtClean="0">
-                                  <a:latin typeface="Cambria Math" panose="02040503050406030204" pitchFamily="18" charset="0"/>
-                                </a:rPr>
-                                <m:t> </m:t>
-                              </m:r>
-                              <m:r>
-                                <a:rPr lang="en-US" sz="1800" b="0" i="1" smtClean="0">
-                                  <a:latin typeface="Cambria Math" panose="02040503050406030204" pitchFamily="18" charset="0"/>
-                                </a:rPr>
-                                <m:t>𝜆</m:t>
-                              </m:r>
-                              <m:r>
-                                <a:rPr lang="en-US" sz="1800" b="0" i="1" smtClean="0">
-                                  <a:latin typeface="Cambria Math" panose="02040503050406030204" pitchFamily="18" charset="0"/>
-                                </a:rPr>
-                                <m:t>=0</m:t>
-                              </m:r>
-                            </m:e>
-                          </m:eqArr>
-                        </m:e>
-                      </m:d>
-                    </m:oMath>
-                  </m:oMathPara>
-                </a14:m>
-                <a:endParaRPr lang="en-US" dirty="0"/>
-              </a:p>
-            </p:txBody>
-          </p:sp>
-        </mc:Choice>
-        <mc:Fallback xmlns="">
-          <p:sp>
-            <p:nvSpPr>
-              <p:cNvPr id="10" name="TextBox 9">
-                <a:extLst>
-                  <a:ext uri="{FF2B5EF4-FFF2-40B4-BE49-F238E27FC236}">
-                    <a16:creationId xmlns:a16="http://schemas.microsoft.com/office/drawing/2014/main" id="{10F1E241-E22F-43E9-BE8A-A0EBBED66D19}"/>
-                  </a:ext>
-                </a:extLst>
-              </p:cNvPr>
-              <p:cNvSpPr txBox="1">
-                <a:spLocks noRot="1" noChangeAspect="1" noMove="1" noResize="1" noEditPoints="1" noAdjustHandles="1" noChangeArrowheads="1" noChangeShapeType="1" noTextEdit="1"/>
-              </p:cNvSpPr>
-              <p:nvPr/>
-            </p:nvSpPr>
-            <p:spPr>
-              <a:xfrm>
-                <a:off x="3099954" y="4474651"/>
-                <a:ext cx="6096000" cy="1117998"/>
-              </a:xfrm>
-              <a:prstGeom prst="rect">
-                <a:avLst/>
-              </a:prstGeom>
-              <a:blipFill>
-                <a:blip r:embed="rId3"/>
-                <a:stretch>
-                  <a:fillRect/>
-                </a:stretch>
-              </a:blipFill>
-            </p:spPr>
-            <p:txBody>
-              <a:bodyPr/>
-              <a:lstStyle/>
-              <a:p>
-                <a:r>
-                  <a:rPr lang="en-US">
-                    <a:noFill/>
-                  </a:rPr>
-                  <a:t> </a:t>
-                </a:r>
-              </a:p>
-            </p:txBody>
-          </p:sp>
-        </mc:Fallback>
-      </mc:AlternateContent>
+        <p:spPr/>
+        <p:txBody>
+          <a:bodyPr/>
+          <a:lstStyle/>
+          <a:p>
+            <a:pPr algn="l"/>
+            <a:r>
+              <a:rPr lang="en-US" sz="1800" b="0" i="0" u="none" strike="noStrike" baseline="0" dirty="0">
+                <a:latin typeface="LiberationSerif"/>
+              </a:rPr>
+              <a:t>Logarithmic scale corresponds to viewing variation through</a:t>
+            </a:r>
+          </a:p>
+          <a:p>
+            <a:pPr algn="l"/>
+            <a:r>
+              <a:rPr lang="en-US" sz="1800" b="0" i="0" u="none" strike="noStrike" baseline="0" dirty="0">
+                <a:latin typeface="LiberationSerif"/>
+              </a:rPr>
+              <a:t>relative or percentage changes, rather than through absolute changes</a:t>
+            </a:r>
+            <a:endParaRPr lang="en-US" dirty="0"/>
+          </a:p>
+        </p:txBody>
+      </p:sp>
     </p:spTree>
     <p:extLst>
       <p:ext uri="{BB962C8B-B14F-4D97-AF65-F5344CB8AC3E}">
-        <p14:creationId xmlns:p14="http://schemas.microsoft.com/office/powerpoint/2010/main" val="2580476278"/>
+        <p14:creationId xmlns:p14="http://schemas.microsoft.com/office/powerpoint/2010/main" val="2919107388"/>
       </p:ext>
     </p:extLst>
   </p:cSld>
   <p:clrMapOvr>
     <a:masterClrMapping/>
   </p:clrMapOvr>
-  <p:timing>
-    <p:tnLst>
-      <p:par>
-        <p:cTn id="1" dur="indefinite" restart="never" nodeType="tmRoot"/>
-      </p:par>
-    </p:tnLst>
-  </p:timing>
-</p:sld>
-</file>
-
-<file path=ppt/slides/slide8.xml><?xml version="1.0" encoding="utf-8"?>
-<p:sld xmlns:a="http://schemas.openxmlformats.org/drawingml/2006/main" xmlns:r="http://schemas.openxmlformats.org/officeDocument/2006/relationships" xmlns:p="http://schemas.openxmlformats.org/presentationml/2006/main">
-  <p:cSld>
-    <p:spTree>
-      <p:nvGrpSpPr>
-        <p:cNvPr id="1" name=""/>
-        <p:cNvGrpSpPr/>
-        <p:nvPr/>
-      </p:nvGrpSpPr>
-      <p:grpSpPr>
-        <a:xfrm>
-          <a:off x="0" y="0"/>
-          <a:ext cx="0" cy="0"/>
-          <a:chOff x="0" y="0"/>
-          <a:chExt cx="0" cy="0"/>
-        </a:xfrm>
-      </p:grpSpPr>
-      <mc:AlternateContent xmlns:mc="http://schemas.openxmlformats.org/markup-compatibility/2006" xmlns:a14="http://schemas.microsoft.com/office/drawing/2010/main">
-        <mc:Choice Requires="a14">
-          <p:sp>
-            <p:nvSpPr>
-              <p:cNvPr id="3" name="Content Placeholder 2">
-                <a:extLst>
-                  <a:ext uri="{FF2B5EF4-FFF2-40B4-BE49-F238E27FC236}">
-                    <a16:creationId xmlns:a16="http://schemas.microsoft.com/office/drawing/2014/main" id="{D6A5DC0C-A825-994C-E018-6D81AB247A10}"/>
-                  </a:ext>
-                </a:extLst>
-              </p:cNvPr>
-              <p:cNvSpPr>
-                <a:spLocks noGrp="1"/>
-              </p:cNvSpPr>
-              <p:nvPr>
-                <p:ph idx="1"/>
-              </p:nvPr>
-            </p:nvSpPr>
-            <p:spPr/>
-            <p:txBody>
-              <a:bodyPr/>
-              <a:lstStyle/>
-              <a:p>
-                <a:pPr marL="0" indent="0">
-                  <a:buNone/>
-                </a:pPr>
-                <a14:m>
-                  <m:oMathPara xmlns:m="http://schemas.openxmlformats.org/officeDocument/2006/math">
-                    <m:oMathParaPr>
-                      <m:jc m:val="centerGroup"/>
-                    </m:oMathParaPr>
-                    <m:oMath xmlns:m="http://schemas.openxmlformats.org/officeDocument/2006/math">
-                      <m:sSup>
-                        <m:sSupPr>
-                          <m:ctrlPr>
-                            <a:rPr lang="en-US" b="0" i="1" smtClean="0">
-                              <a:latin typeface="Cambria Math" panose="02040503050406030204" pitchFamily="18" charset="0"/>
-                            </a:rPr>
-                          </m:ctrlPr>
-                        </m:sSupPr>
-                        <m:e>
-                          <m:r>
-                            <a:rPr lang="en-US" b="0" i="1" smtClean="0">
-                              <a:latin typeface="Cambria Math" panose="02040503050406030204" pitchFamily="18" charset="0"/>
-                            </a:rPr>
-                            <m:t>𝑌</m:t>
-                          </m:r>
-                        </m:e>
-                        <m:sup>
-                          <m:r>
-                            <a:rPr lang="en-US" b="0" i="1" smtClean="0">
-                              <a:latin typeface="Cambria Math" panose="02040503050406030204" pitchFamily="18" charset="0"/>
-                            </a:rPr>
-                            <m:t>𝜆</m:t>
-                          </m:r>
-                        </m:sup>
-                      </m:sSup>
-                      <m:r>
-                        <a:rPr lang="en-US" b="0" i="1" smtClean="0">
-                          <a:latin typeface="Cambria Math" panose="02040503050406030204" pitchFamily="18" charset="0"/>
-                        </a:rPr>
-                        <m:t>= </m:t>
-                      </m:r>
-                    </m:oMath>
-                  </m:oMathPara>
-                </a14:m>
-                <a:endParaRPr lang="en-US" dirty="0"/>
-              </a:p>
-            </p:txBody>
-          </p:sp>
-        </mc:Choice>
-        <mc:Fallback xmlns="">
-          <p:sp>
-            <p:nvSpPr>
-              <p:cNvPr id="3" name="Content Placeholder 2">
-                <a:extLst>
-                  <a:ext uri="{FF2B5EF4-FFF2-40B4-BE49-F238E27FC236}">
-                    <a16:creationId xmlns:a16="http://schemas.microsoft.com/office/drawing/2014/main" id="{D6A5DC0C-A825-994C-E018-6D81AB247A10}"/>
-                  </a:ext>
-                </a:extLst>
-              </p:cNvPr>
-              <p:cNvSpPr>
-                <a:spLocks noGrp="1" noRot="1" noChangeAspect="1" noMove="1" noResize="1" noEditPoints="1" noAdjustHandles="1" noChangeArrowheads="1" noChangeShapeType="1" noTextEdit="1"/>
-              </p:cNvSpPr>
-              <p:nvPr>
-                <p:ph idx="1"/>
-              </p:nvPr>
-            </p:nvSpPr>
-            <p:spPr>
-              <a:blipFill>
-                <a:blip r:embed="rId2"/>
-                <a:stretch>
-                  <a:fillRect/>
-                </a:stretch>
-              </a:blipFill>
-            </p:spPr>
-            <p:txBody>
-              <a:bodyPr/>
-              <a:lstStyle/>
-              <a:p>
-                <a:r>
-                  <a:rPr lang="en-US">
-                    <a:noFill/>
-                  </a:rPr>
-                  <a:t> </a:t>
-                </a:r>
-              </a:p>
-            </p:txBody>
-          </p:sp>
-        </mc:Fallback>
-      </mc:AlternateContent>
-      <p:sp>
-        <p:nvSpPr>
-          <p:cNvPr id="4" name="Content Placeholder 2">
-            <a:extLst>
-              <a:ext uri="{FF2B5EF4-FFF2-40B4-BE49-F238E27FC236}">
-                <a16:creationId xmlns:a16="http://schemas.microsoft.com/office/drawing/2014/main" id="{009EF893-A3B8-4805-4162-33FFA0933C2B}"/>
-              </a:ext>
-            </a:extLst>
-          </p:cNvPr>
-          <p:cNvSpPr txBox="1">
-            <a:spLocks/>
-          </p:cNvSpPr>
-          <p:nvPr/>
-        </p:nvSpPr>
-        <p:spPr>
-          <a:xfrm>
-            <a:off x="581191" y="595192"/>
-            <a:ext cx="11029615" cy="755627"/>
-          </a:xfrm>
-          <a:prstGeom prst="rect">
-            <a:avLst/>
-          </a:prstGeom>
-        </p:spPr>
-        <p:txBody>
-          <a:bodyPr vert="horz" lIns="91440" tIns="45720" rIns="91440" bIns="45720" rtlCol="0" anchor="ctr">
-            <a:normAutofit/>
-          </a:bodyPr>
-          <a:lstStyle>
-            <a:lvl1pPr marL="306000" indent="-306000" algn="l" defTabSz="457200" rtl="0" eaLnBrk="1" latinLnBrk="0" hangingPunct="1">
-              <a:lnSpc>
-                <a:spcPct val="100000"/>
-              </a:lnSpc>
-              <a:spcBef>
-                <a:spcPct val="20000"/>
-              </a:spcBef>
-              <a:spcAft>
-                <a:spcPts val="600"/>
-              </a:spcAft>
-              <a:buClr>
-                <a:schemeClr val="accent1"/>
-              </a:buClr>
-              <a:buSzPct val="92000"/>
-              <a:buFont typeface="Wingdings 2" panose="05020102010507070707" pitchFamily="18" charset="2"/>
-              <a:buChar char=""/>
-              <a:defRPr sz="1800" kern="1200">
-                <a:solidFill>
-                  <a:schemeClr val="tx1">
-                    <a:lumMod val="75000"/>
-                    <a:lumOff val="25000"/>
-                  </a:schemeClr>
-                </a:solidFill>
-                <a:latin typeface="+mn-lt"/>
-                <a:ea typeface="+mn-ea"/>
-                <a:cs typeface="+mn-cs"/>
-              </a:defRPr>
-            </a:lvl1pPr>
-            <a:lvl2pPr marL="630000" indent="-306000" algn="l" defTabSz="457200" rtl="0" eaLnBrk="1" latinLnBrk="0" hangingPunct="1">
-              <a:lnSpc>
-                <a:spcPct val="100000"/>
-              </a:lnSpc>
-              <a:spcBef>
-                <a:spcPct val="20000"/>
-              </a:spcBef>
-              <a:spcAft>
-                <a:spcPts val="600"/>
-              </a:spcAft>
-              <a:buClr>
-                <a:schemeClr val="accent1"/>
-              </a:buClr>
-              <a:buSzPct val="92000"/>
-              <a:buFont typeface="Wingdings 2" panose="05020102010507070707" pitchFamily="18" charset="2"/>
-              <a:buChar char=""/>
-              <a:defRPr sz="1600" kern="1200">
-                <a:solidFill>
-                  <a:schemeClr val="tx1">
-                    <a:lumMod val="75000"/>
-                    <a:lumOff val="25000"/>
-                  </a:schemeClr>
-                </a:solidFill>
-                <a:latin typeface="+mn-lt"/>
-                <a:ea typeface="+mn-ea"/>
-                <a:cs typeface="+mn-cs"/>
-              </a:defRPr>
-            </a:lvl2pPr>
-            <a:lvl3pPr marL="900000" indent="-270000" algn="l" defTabSz="457200" rtl="0" eaLnBrk="1" latinLnBrk="0" hangingPunct="1">
-              <a:lnSpc>
-                <a:spcPct val="100000"/>
-              </a:lnSpc>
-              <a:spcBef>
-                <a:spcPct val="20000"/>
-              </a:spcBef>
-              <a:spcAft>
-                <a:spcPts val="600"/>
-              </a:spcAft>
-              <a:buClr>
-                <a:schemeClr val="accent1"/>
-              </a:buClr>
-              <a:buSzPct val="92000"/>
-              <a:buFont typeface="Wingdings 2" panose="05020102010507070707" pitchFamily="18" charset="2"/>
-              <a:buChar char=""/>
-              <a:defRPr sz="1400" kern="1200">
-                <a:solidFill>
-                  <a:schemeClr val="tx1">
-                    <a:lumMod val="75000"/>
-                    <a:lumOff val="25000"/>
-                  </a:schemeClr>
-                </a:solidFill>
-                <a:latin typeface="+mn-lt"/>
-                <a:ea typeface="+mn-ea"/>
-                <a:cs typeface="+mn-cs"/>
-              </a:defRPr>
-            </a:lvl3pPr>
-            <a:lvl4pPr marL="1242000" indent="-234000" algn="l" defTabSz="457200" rtl="0" eaLnBrk="1" latinLnBrk="0" hangingPunct="1">
-              <a:lnSpc>
-                <a:spcPct val="100000"/>
-              </a:lnSpc>
-              <a:spcBef>
-                <a:spcPct val="20000"/>
-              </a:spcBef>
-              <a:spcAft>
-                <a:spcPts val="600"/>
-              </a:spcAft>
-              <a:buClr>
-                <a:schemeClr val="accent1"/>
-              </a:buClr>
-              <a:buSzPct val="92000"/>
-              <a:buFont typeface="Wingdings 2" panose="05020102010507070707" pitchFamily="18" charset="2"/>
-              <a:buChar char=""/>
-              <a:defRPr sz="1200" kern="1200">
-                <a:solidFill>
-                  <a:schemeClr val="tx1">
-                    <a:lumMod val="75000"/>
-                    <a:lumOff val="25000"/>
-                  </a:schemeClr>
-                </a:solidFill>
-                <a:latin typeface="+mn-lt"/>
-                <a:ea typeface="+mn-ea"/>
-                <a:cs typeface="+mn-cs"/>
-              </a:defRPr>
-            </a:lvl4pPr>
-            <a:lvl5pPr marL="1602000" indent="-234000" algn="l" defTabSz="457200" rtl="0" eaLnBrk="1" latinLnBrk="0" hangingPunct="1">
-              <a:lnSpc>
-                <a:spcPct val="100000"/>
-              </a:lnSpc>
-              <a:spcBef>
-                <a:spcPct val="20000"/>
-              </a:spcBef>
-              <a:spcAft>
-                <a:spcPts val="600"/>
-              </a:spcAft>
-              <a:buClr>
-                <a:schemeClr val="accent1"/>
-              </a:buClr>
-              <a:buSzPct val="92000"/>
-              <a:buFont typeface="Wingdings 2" panose="05020102010507070707" pitchFamily="18" charset="2"/>
-              <a:buChar char=""/>
-              <a:defRPr sz="1200" kern="1200">
-                <a:solidFill>
-                  <a:schemeClr val="tx1">
-                    <a:lumMod val="75000"/>
-                    <a:lumOff val="25000"/>
-                  </a:schemeClr>
-                </a:solidFill>
-                <a:latin typeface="+mn-lt"/>
-                <a:ea typeface="+mn-ea"/>
-                <a:cs typeface="+mn-cs"/>
-              </a:defRPr>
-            </a:lvl5pPr>
-            <a:lvl6pPr marL="1900000" indent="-228600" algn="l" defTabSz="457200" rtl="0" eaLnBrk="1" latinLnBrk="0" hangingPunct="1">
-              <a:spcBef>
-                <a:spcPct val="20000"/>
-              </a:spcBef>
-              <a:spcAft>
-                <a:spcPts val="600"/>
-              </a:spcAft>
-              <a:buClr>
-                <a:schemeClr val="accent2"/>
-              </a:buClr>
-              <a:buSzPct val="92000"/>
-              <a:buFont typeface="Wingdings 2" panose="05020102010507070707" pitchFamily="18" charset="2"/>
-              <a:buChar char=""/>
-              <a:defRPr sz="1200" kern="1200">
-                <a:solidFill>
-                  <a:schemeClr val="tx2"/>
-                </a:solidFill>
-                <a:latin typeface="+mn-lt"/>
-                <a:ea typeface="+mn-ea"/>
-                <a:cs typeface="+mn-cs"/>
-              </a:defRPr>
-            </a:lvl6pPr>
-            <a:lvl7pPr marL="2200000" indent="-228600" algn="l" defTabSz="457200" rtl="0" eaLnBrk="1" latinLnBrk="0" hangingPunct="1">
-              <a:spcBef>
-                <a:spcPct val="20000"/>
-              </a:spcBef>
-              <a:spcAft>
-                <a:spcPts val="600"/>
-              </a:spcAft>
-              <a:buClr>
-                <a:schemeClr val="accent2"/>
-              </a:buClr>
-              <a:buSzPct val="92000"/>
-              <a:buFont typeface="Wingdings 2" panose="05020102010507070707" pitchFamily="18" charset="2"/>
-              <a:buChar char=""/>
-              <a:defRPr sz="1200" kern="1200">
-                <a:solidFill>
-                  <a:schemeClr val="tx2"/>
-                </a:solidFill>
-                <a:latin typeface="+mn-lt"/>
-                <a:ea typeface="+mn-ea"/>
-                <a:cs typeface="+mn-cs"/>
-              </a:defRPr>
-            </a:lvl7pPr>
-            <a:lvl8pPr marL="2500000" indent="-228600" algn="l" defTabSz="457200" rtl="0" eaLnBrk="1" latinLnBrk="0" hangingPunct="1">
-              <a:spcBef>
-                <a:spcPct val="20000"/>
-              </a:spcBef>
-              <a:spcAft>
-                <a:spcPts val="600"/>
-              </a:spcAft>
-              <a:buClr>
-                <a:schemeClr val="accent2"/>
-              </a:buClr>
-              <a:buSzPct val="92000"/>
-              <a:buFont typeface="Wingdings 2" panose="05020102010507070707" pitchFamily="18" charset="2"/>
-              <a:buChar char=""/>
-              <a:defRPr sz="1200" kern="1200">
-                <a:solidFill>
-                  <a:schemeClr val="tx2"/>
-                </a:solidFill>
-                <a:latin typeface="+mn-lt"/>
-                <a:ea typeface="+mn-ea"/>
-                <a:cs typeface="+mn-cs"/>
-              </a:defRPr>
-            </a:lvl8pPr>
-            <a:lvl9pPr marL="2800000" indent="-228600" algn="l" defTabSz="457200" rtl="0" eaLnBrk="1" latinLnBrk="0" hangingPunct="1">
-              <a:spcBef>
-                <a:spcPct val="20000"/>
-              </a:spcBef>
-              <a:spcAft>
-                <a:spcPts val="600"/>
-              </a:spcAft>
-              <a:buClr>
-                <a:schemeClr val="accent2"/>
-              </a:buClr>
-              <a:buSzPct val="92000"/>
-              <a:buFont typeface="Wingdings 2" panose="05020102010507070707" pitchFamily="18" charset="2"/>
-              <a:buChar char=""/>
-              <a:defRPr sz="1200" kern="1200">
-                <a:solidFill>
-                  <a:schemeClr val="tx2"/>
-                </a:solidFill>
-                <a:latin typeface="+mn-lt"/>
-                <a:ea typeface="+mn-ea"/>
-                <a:cs typeface="+mn-cs"/>
-              </a:defRPr>
-            </a:lvl9pPr>
-          </a:lstStyle>
-          <a:p>
-            <a:pPr marL="0" indent="0">
-              <a:buFont typeface="Wingdings 2" panose="05020102010507070707" pitchFamily="18" charset="2"/>
-              <a:buNone/>
-            </a:pPr>
-            <a:r>
-              <a:rPr lang="en-US" sz="2800" dirty="0"/>
-              <a:t>5. Model in the Transformed System</a:t>
-            </a:r>
-          </a:p>
-        </p:txBody>
-      </p:sp>
-    </p:spTree>
-    <p:extLst>
-      <p:ext uri="{BB962C8B-B14F-4D97-AF65-F5344CB8AC3E}">
-        <p14:creationId xmlns:p14="http://schemas.microsoft.com/office/powerpoint/2010/main" val="4250975130"/>
-      </p:ext>
-    </p:extLst>
-  </p:cSld>
-  <p:clrMapOvr>
-    <a:masterClrMapping/>
-  </p:clrMapOvr>
-  <p:timing>
-    <p:tnLst>
-      <p:par>
-        <p:cTn id="1" dur="indefinite" restart="never" nodeType="tmRoot"/>
-      </p:par>
-    </p:tnLst>
-  </p:timing>
 </p:sld>
 </file>
 
